--- a/Organiser Education - Productivity.pptx
+++ b/Organiser Education - Productivity.pptx
@@ -537,7 +537,7 @@
             </a:pPr>
             <a:r>
               <a:rPr/>
-              <a:t>For example, you could lose output in Agriculture from bad weather destroying a crop. Similarly, you could gain output in Mining because high prices make some difficult deposits worth mining.</a:t>
+              <a:t>Productivity is possibly the most misunderstood economic indicator, but simultaneously one of the most spoken about. The newly elected government has set its focus on productivity, and productivity growth, and has got the Productivity Commission in on the action.</a:t>
             </a:r>
           </a:p>
           <a:p>
@@ -551,7 +551,21 @@
             </a:pPr>
             <a:r>
               <a:rPr/>
-              <a:t>Labour productivity is the most commonly reported productivity. It is relatively simple to measure and describe.</a:t>
+              <a:t>The Productivity Commission by the way, should be seen as a complete joke. It was created by the Howard government in the 1990s, and sits within the Treasury department.</a:t>
+            </a:r>
+          </a:p>
+          <a:p>
+            <a:pPr lvl="0" indent="0" marL="0">
+              <a:buNone/>
+            </a:pPr>
+          </a:p>
+          <a:p>
+            <a:pPr lvl="0" indent="0" marL="0">
+              <a:buNone/>
+            </a:pPr>
+            <a:r>
+              <a:rPr/>
+              <a:t>In a FWC hearing in 2025, the chief economist of the Australian Chamber of Commerce and Industry (also a joke) was asked “what factors drove productivity”. He answered that “the Productivity Commission was currently examining those factors”. 35 years since their establishment, and the Productivity Commission is still examining what productivity even is!!!</a:t>
             </a:r>
           </a:p>
         </p:txBody>
@@ -573,7 +587,7 @@
           <a:p>
             <a:fld id="{18BDFEC3-8487-43E8-A154-7C12CBC1FFF2}" type="slidenum">
               <a:rPr lang="en-US"/>
-              <a:t>5</a:t>
+              <a:t>4</a:t>
             </a:fld>
             <a:endParaRPr lang="en-US"/>
           </a:p>
@@ -633,7 +647,21 @@
             </a:pPr>
             <a:r>
               <a:rPr/>
-              <a:t>The non-market sector includes the Education and Health Care sectors. How is output measured in these sectors? Students graduating? Patients discharged? What would productivity look like? Students graduating per teacher? A measure like that would mean that productivity in the Education sector could be improved by fewer teachers and bigger classes. Anyone who works in Education would say that is not realistic.</a:t>
+              <a:t>For example, you could lose output in Agriculture from bad weather destroying a crop. Similarly, you could gain output in Mining because high prices make some difficult deposits worth mining.</a:t>
+            </a:r>
+          </a:p>
+          <a:p>
+            <a:pPr lvl="0" indent="0" marL="0">
+              <a:buNone/>
+            </a:pPr>
+          </a:p>
+          <a:p>
+            <a:pPr lvl="0" indent="0" marL="0">
+              <a:buNone/>
+            </a:pPr>
+            <a:r>
+              <a:rPr/>
+              <a:t>Labour productivity is the most commonly reported productivity. It is relatively simple to measure and describe.</a:t>
             </a:r>
           </a:p>
         </p:txBody>
@@ -655,7 +683,7 @@
           <a:p>
             <a:fld id="{18BDFEC3-8487-43E8-A154-7C12CBC1FFF2}" type="slidenum">
               <a:rPr lang="en-US"/>
-              <a:t>6</a:t>
+              <a:t>5</a:t>
             </a:fld>
             <a:endParaRPr lang="en-US"/>
           </a:p>
@@ -715,67 +743,7 @@
             </a:pPr>
             <a:r>
               <a:rPr/>
-              <a:t>GDP per hour worked, with June 1991 set as the base or reference year.</a:t>
-            </a:r>
-          </a:p>
-          <a:p>
-            <a:pPr lvl="0" indent="0" marL="0">
-              <a:buNone/>
-            </a:pPr>
-          </a:p>
-          <a:p>
-            <a:pPr lvl="0"/>
-            <a:r>
-              <a:rPr/>
-              <a:t>Growth was slowing prior to 2020 anyway, with the increases seen during then probably due to the pandemic.</a:t>
-            </a:r>
-          </a:p>
-          <a:p>
-            <a:pPr lvl="0" indent="0" marL="0">
-              <a:buNone/>
-            </a:pPr>
-          </a:p>
-          <a:p>
-            <a:pPr lvl="0"/>
-            <a:r>
-              <a:rPr/>
-              <a:t>This has been called a productivity ‘bubble’ which I think I agree with.</a:t>
-            </a:r>
-          </a:p>
-          <a:p>
-            <a:pPr lvl="0" indent="0" marL="0">
-              <a:buNone/>
-            </a:pPr>
-          </a:p>
-          <a:p>
-            <a:pPr lvl="0"/>
-            <a:r>
-              <a:rPr/>
-              <a:t>Periods of slow growth have been occurring since the 2000s really.</a:t>
-            </a:r>
-          </a:p>
-          <a:p>
-            <a:pPr lvl="0" indent="0" marL="0">
-              <a:buNone/>
-            </a:pPr>
-          </a:p>
-          <a:p>
-            <a:pPr lvl="0"/>
-            <a:r>
-              <a:rPr/>
-              <a:t>The market sector includes industries like manufacturing, mining, construction, and some services. Things that are produced and sold in the market.</a:t>
-            </a:r>
-          </a:p>
-          <a:p>
-            <a:pPr lvl="0" indent="0" marL="0">
-              <a:buNone/>
-            </a:pPr>
-          </a:p>
-          <a:p>
-            <a:pPr lvl="0"/>
-            <a:r>
-              <a:rPr/>
-              <a:t>The non-market sector</a:t>
+              <a:t>The non-market sector includes the Education and Health Care sectors. How is output measured in these sectors? Students graduating? Patients discharged? What would productivity look like? Students graduating per teacher? A measure like that would mean that productivity in the Education sector could be improved by fewer teachers and bigger classes. Anyone who works in Education would say that is not realistic.</a:t>
             </a:r>
           </a:p>
         </p:txBody>
@@ -797,7 +765,7 @@
           <a:p>
             <a:fld id="{18BDFEC3-8487-43E8-A154-7C12CBC1FFF2}" type="slidenum">
               <a:rPr lang="en-US"/>
-              <a:t>7</a:t>
+              <a:t>6</a:t>
             </a:fld>
             <a:endParaRPr lang="en-US"/>
           </a:p>
@@ -857,7 +825,7 @@
             </a:pPr>
             <a:r>
               <a:rPr/>
-              <a:t>Productivity is a volatile measure. It is better to measure it across a long time period.</a:t>
+              <a:t>GDP per hour worked, with June 1991 set as the base or reference year.</a:t>
             </a:r>
           </a:p>
           <a:p>
@@ -866,12 +834,22 @@
             </a:pPr>
           </a:p>
           <a:p>
+            <a:pPr lvl="0"/>
+            <a:r>
+              <a:rPr/>
+              <a:t>Growth was slowing prior to 2020 anyway, with the increases seen during then probably due to the pandemic.</a:t>
+            </a:r>
+          </a:p>
+          <a:p>
             <a:pPr lvl="0" indent="0" marL="0">
               <a:buNone/>
             </a:pPr>
+          </a:p>
+          <a:p>
+            <a:pPr lvl="0"/>
             <a:r>
               <a:rPr/>
-              <a:t>The ABS uses a 20 year average “compound average growth rate” formula.</a:t>
+              <a:t>This has been called a productivity ‘bubble’ which I think I agree with.</a:t>
             </a:r>
           </a:p>
           <a:p>
@@ -883,7 +861,7 @@
             <a:pPr lvl="0"/>
             <a:r>
               <a:rPr/>
-              <a:t>Clearly not a new problem</a:t>
+              <a:t>Periods of slow growth have been occurring since the 2000s really.</a:t>
             </a:r>
           </a:p>
           <a:p>
@@ -895,7 +873,7 @@
             <a:pPr lvl="0"/>
             <a:r>
               <a:rPr/>
-              <a:t>20-year average productivity growth was pretty stable up until about 2013</a:t>
+              <a:t>The market sector includes industries like manufacturing, mining, construction, and some services. Things that are produced and sold in the market.</a:t>
             </a:r>
           </a:p>
           <a:p>
@@ -907,7 +885,7 @@
             <a:pPr lvl="0"/>
             <a:r>
               <a:rPr/>
-              <a:t>Significant declines since then. Covid rebound probably an illusion</a:t>
+              <a:t>The non-market sector</a:t>
             </a:r>
           </a:p>
         </p:txBody>
@@ -929,7 +907,7 @@
           <a:p>
             <a:fld id="{18BDFEC3-8487-43E8-A154-7C12CBC1FFF2}" type="slidenum">
               <a:rPr lang="en-US"/>
-              <a:t>8</a:t>
+              <a:t>7</a:t>
             </a:fld>
             <a:endParaRPr lang="en-US"/>
           </a:p>
@@ -989,7 +967,7 @@
             </a:pPr>
             <a:r>
               <a:rPr/>
-              <a:t>Productivity is measured as GDP per hour worked. So we need to look at what is happening with hours worked, and with GDP.</a:t>
+              <a:t>Productivity is a volatile measure. It is better to measure it across a long time period.</a:t>
             </a:r>
           </a:p>
           <a:p>
@@ -1003,7 +981,7 @@
             </a:pPr>
             <a:r>
               <a:rPr/>
-              <a:t>I don’t know about you but the increase in hours worked looks like it’s pretty steep.</a:t>
+              <a:t>The ABS uses a 20 year average “compound average growth rate” formula.</a:t>
             </a:r>
           </a:p>
           <a:p>
@@ -1012,12 +990,22 @@
             </a:pPr>
           </a:p>
           <a:p>
+            <a:pPr lvl="0"/>
+            <a:r>
+              <a:rPr/>
+              <a:t>Clearly not a new problem</a:t>
+            </a:r>
+          </a:p>
+          <a:p>
             <a:pPr lvl="0" indent="0" marL="0">
               <a:buNone/>
             </a:pPr>
+          </a:p>
+          <a:p>
+            <a:pPr lvl="0"/>
             <a:r>
               <a:rPr/>
-              <a:t>What do we think could have caused that? Are you working more hours? Do you know people who are working more hours? Why?</a:t>
+              <a:t>20-year average productivity growth was pretty stable up until about 2013</a:t>
             </a:r>
           </a:p>
           <a:p>
@@ -1026,26 +1014,10 @@
             </a:pPr>
           </a:p>
           <a:p>
-            <a:pPr lvl="0" indent="0" marL="0">
-              <a:buNone/>
-            </a:pPr>
+            <a:pPr lvl="0"/>
             <a:r>
               <a:rPr/>
-              <a:t>Could it be people working more hours because they’re struggling to make ends meet because of inflation?</a:t>
-            </a:r>
-          </a:p>
-          <a:p>
-            <a:pPr lvl="0" indent="0" marL="0">
-              <a:buNone/>
-            </a:pPr>
-          </a:p>
-          <a:p>
-            <a:pPr lvl="0" indent="0" marL="0">
-              <a:buNone/>
-            </a:pPr>
-            <a:r>
-              <a:rPr/>
-              <a:t>Even the Productivity Commission recognise that high hours worked is pulling productivity down</a:t>
+              <a:t>Significant declines since then. Covid rebound probably an illusion</a:t>
             </a:r>
           </a:p>
         </p:txBody>
@@ -1067,7 +1039,7 @@
           <a:p>
             <a:fld id="{18BDFEC3-8487-43E8-A154-7C12CBC1FFF2}" type="slidenum">
               <a:rPr lang="en-US"/>
-              <a:t>9</a:t>
+              <a:t>8</a:t>
             </a:fld>
             <a:endParaRPr lang="en-US"/>
           </a:p>
@@ -1127,7 +1099,63 @@
             </a:pPr>
             <a:r>
               <a:rPr/>
-              <a:t>Damn.</a:t>
+              <a:t>Productivity is measured as GDP per hour worked. So we need to look at what is happening with hours worked, and with GDP.</a:t>
+            </a:r>
+          </a:p>
+          <a:p>
+            <a:pPr lvl="0" indent="0" marL="0">
+              <a:buNone/>
+            </a:pPr>
+          </a:p>
+          <a:p>
+            <a:pPr lvl="0" indent="0" marL="0">
+              <a:buNone/>
+            </a:pPr>
+            <a:r>
+              <a:rPr/>
+              <a:t>I don’t know about you but the increase in hours worked looks like it’s pretty steep.</a:t>
+            </a:r>
+          </a:p>
+          <a:p>
+            <a:pPr lvl="0" indent="0" marL="0">
+              <a:buNone/>
+            </a:pPr>
+          </a:p>
+          <a:p>
+            <a:pPr lvl="0" indent="0" marL="0">
+              <a:buNone/>
+            </a:pPr>
+            <a:r>
+              <a:rPr/>
+              <a:t>What do we think could have caused that? Are you working more hours? Do you know people who are working more hours? Why?</a:t>
+            </a:r>
+          </a:p>
+          <a:p>
+            <a:pPr lvl="0" indent="0" marL="0">
+              <a:buNone/>
+            </a:pPr>
+          </a:p>
+          <a:p>
+            <a:pPr lvl="0" indent="0" marL="0">
+              <a:buNone/>
+            </a:pPr>
+            <a:r>
+              <a:rPr/>
+              <a:t>Could it be people working more hours because they’re struggling to make ends meet because of inflation?</a:t>
+            </a:r>
+          </a:p>
+          <a:p>
+            <a:pPr lvl="0" indent="0" marL="0">
+              <a:buNone/>
+            </a:pPr>
+          </a:p>
+          <a:p>
+            <a:pPr lvl="0" indent="0" marL="0">
+              <a:buNone/>
+            </a:pPr>
+            <a:r>
+              <a:rPr/>
+              <a:t>Even the Productivity Commission recognise that high hours worked is pulling productivity down</a:t>
             </a:r>
           </a:p>
         </p:txBody>
@@ -1149,7 +1177,7 @@
           <a:p>
             <a:fld id="{18BDFEC3-8487-43E8-A154-7C12CBC1FFF2}" type="slidenum">
               <a:rPr lang="en-US"/>
-              <a:t>12</a:t>
+              <a:t>9</a:t>
             </a:fld>
             <a:endParaRPr lang="en-US"/>
           </a:p>
@@ -1161,6 +1189,88 @@
 </file>
 
 <file path=ppt/notesSlides/notesSlide7.xml><?xml version="1.0" encoding="utf-8"?>
+<p:notes xmlns:a="http://schemas.openxmlformats.org/drawingml/2006/main" xmlns:r="http://schemas.openxmlformats.org/officeDocument/2006/relationships" xmlns:p="http://schemas.openxmlformats.org/presentationml/2006/main">
+  <p:cSld>
+    <p:spTree>
+      <p:nvGrpSpPr>
+        <p:cNvPr id="1" name=""/>
+        <p:cNvGrpSpPr/>
+        <p:nvPr/>
+      </p:nvGrpSpPr>
+      <p:grpSpPr>
+        <a:xfrm>
+          <a:off x="0" y="0"/>
+          <a:ext cx="0" cy="0"/>
+          <a:chOff x="0" y="0"/>
+          <a:chExt cx="0" cy="0"/>
+        </a:xfrm>
+      </p:grpSpPr>
+      <p:sp>
+        <p:nvSpPr>
+          <p:cNvPr id="2" name="Slide Image Placeholder 1"/>
+          <p:cNvSpPr>
+            <a:spLocks noGrp="1" noRot="1" noChangeAspect="1"/>
+          </p:cNvSpPr>
+          <p:nvPr>
+            <p:ph type="sldImg"/>
+          </p:nvPr>
+        </p:nvSpPr>
+        <p:spPr/>
+      </p:sp>
+      <p:sp>
+        <p:nvSpPr>
+          <p:cNvPr id="3" name="Notes Placeholder 2"/>
+          <p:cNvSpPr>
+            <a:spLocks noGrp="1"/>
+          </p:cNvSpPr>
+          <p:nvPr>
+            <p:ph type="body" idx="1"/>
+          </p:nvPr>
+        </p:nvSpPr>
+        <p:spPr/>
+        <p:txBody>
+          <a:bodyPr/>
+          <a:lstStyle/>
+          <a:p>
+            <a:pPr lvl="0" indent="0" marL="0">
+              <a:buNone/>
+            </a:pPr>
+            <a:r>
+              <a:rPr/>
+              <a:t>Damn.</a:t>
+            </a:r>
+          </a:p>
+        </p:txBody>
+      </p:sp>
+      <p:sp>
+        <p:nvSpPr>
+          <p:cNvPr id="4" name="Slide Number Placeholder 3"/>
+          <p:cNvSpPr>
+            <a:spLocks noGrp="1"/>
+          </p:cNvSpPr>
+          <p:nvPr>
+            <p:ph type="sldNum" sz="quarter" idx="10"/>
+          </p:nvPr>
+        </p:nvSpPr>
+        <p:spPr/>
+        <p:txBody>
+          <a:bodyPr/>
+          <a:lstStyle/>
+          <a:p>
+            <a:fld id="{18BDFEC3-8487-43E8-A154-7C12CBC1FFF2}" type="slidenum">
+              <a:rPr lang="en-US"/>
+              <a:t>12</a:t>
+            </a:fld>
+            <a:endParaRPr lang="en-US"/>
+          </a:p>
+        </p:txBody>
+      </p:sp>
+    </p:spTree>
+  </p:cSld>
+</p:notes>
+</file>
+
+<file path=ppt/notesSlides/notesSlide8.xml><?xml version="1.0" encoding="utf-8"?>
 <p:notes xmlns:a="http://schemas.openxmlformats.org/drawingml/2006/main" xmlns:r="http://schemas.openxmlformats.org/officeDocument/2006/relationships" xmlns:p="http://schemas.openxmlformats.org/presentationml/2006/main">
   <p:cSld>
     <p:spTree>
@@ -4380,7 +4490,7 @@
       </p:sp>
       <p:pic>
         <p:nvPicPr>
-          <p:cNvPr descr="Organiser-Education---Productivity_files/figure-pptx/fig-gdp-chain-volume-1.svg" id="0" name="Picture 1"/>
+          <p:cNvPr descr="Organiser-Education---Productivity_files/figure-pptx/unnamed-chunk-4-1.svg" id="0" name="Picture 1"/>
           <p:cNvPicPr>
             <a:picLocks noGrp="1" noChangeAspect="1"/>
           </p:cNvPicPr>
@@ -4394,8 +4504,8 @@
         </p:blipFill>
         <p:spPr bwMode="auto">
           <a:xfrm>
-            <a:off x="1689100" y="1193800"/>
-            <a:ext cx="5765800" cy="2882900"/>
+            <a:off x="1181100" y="1193800"/>
+            <a:ext cx="6781800" cy="3390900"/>
           </a:xfrm>
           <a:prstGeom prst="rect">
             <a:avLst/>
@@ -4408,36 +4518,6 @@
           </a:ln>
         </p:spPr>
       </p:pic>
-      <p:sp>
-        <p:nvSpPr>
-          <p:cNvPr id="1" name="TextBox 3"/>
-          <p:cNvSpPr txBox="1"/>
-          <p:nvPr/>
-        </p:nvSpPr>
-        <p:spPr>
-          <a:xfrm>
-            <a:off x="457200" y="4076700"/>
-            <a:ext cx="8229600" cy="508000"/>
-          </a:xfrm>
-          <a:prstGeom prst="rect">
-            <a:avLst/>
-          </a:prstGeom>
-          <a:noFill/>
-        </p:spPr>
-        <p:txBody>
-          <a:bodyPr/>
-          <a:lstStyle/>
-          <a:p>
-            <a:pPr lvl="0" indent="0" marL="0" algn="ctr">
-              <a:buNone/>
-            </a:pPr>
-            <a:r>
-              <a:rPr/>
-              <a:t>Figure 1</a:t>
-            </a:r>
-          </a:p>
-        </p:txBody>
-      </p:sp>
     </p:spTree>
   </p:cSld>
 </p:sld>
@@ -4557,7 +4637,7 @@
       </p:sp>
       <p:pic>
         <p:nvPicPr>
-          <p:cNvPr descr="Organiser-Education---Productivity_files/figure-pptx/productivity-decouple-1.svg" id="0" name="Picture 1"/>
+          <p:cNvPr descr="Organiser-Education---Productivity_files/figure-pptx/unnamed-chunk-5-1.svg" id="0" name="Picture 1"/>
           <p:cNvPicPr>
             <a:picLocks noGrp="1" noChangeAspect="1"/>
           </p:cNvPicPr>
@@ -4634,7 +4714,7 @@
       </p:sp>
       <p:pic>
         <p:nvPicPr>
-          <p:cNvPr descr="Organiser-Education---Productivity_files/figure-pptx/unnamed-chunk-3-1.svg" id="0" name="Picture 1"/>
+          <p:cNvPr descr="Organiser-Education---Productivity_files/figure-pptx/unnamed-chunk-6-1.svg" id="0" name="Picture 1"/>
           <p:cNvPicPr>
             <a:picLocks noGrp="1" noChangeAspect="1"/>
           </p:cNvPicPr>
@@ -4709,8 +4789,225 @@
           </a:p>
         </p:txBody>
       </p:sp>
+      <p:sp>
+        <p:nvSpPr>
+          <p:cNvPr id="3" name="Content Placeholder 2"/>
+          <p:cNvSpPr>
+            <a:spLocks noGrp="1"/>
+          </p:cNvSpPr>
+          <p:nvPr>
+            <p:ph idx="1"/>
+          </p:nvPr>
+        </p:nvSpPr>
+        <p:spPr/>
+        <p:txBody>
+          <a:bodyPr/>
+          <a:lstStyle/>
+          <a:p>
+            <a:pPr lvl="0"/>
+            <a:r>
+              <a:rPr/>
+              <a:t>The amount it costs to produce one unit of output</a:t>
+            </a:r>
+          </a:p>
+          <a:p>
+            <a:pPr lvl="0"/>
+            <a:r>
+              <a:rPr/>
+              <a:t>Consistent across market and non-market sectors</a:t>
+            </a:r>
+          </a:p>
+          <a:p>
+            <a:pPr lvl="0"/>
+            <a:r>
+              <a:rPr/>
+              <a:t>Tied to real wages</a:t>
+            </a:r>
+          </a:p>
+        </p:txBody>
+      </p:sp>
     </p:spTree>
   </p:cSld>
+  <p:timing>
+    <p:tnLst>
+      <p:par>
+        <p:cTn id="1" dur="indefinite" restart="never" nodeType="tmRoot">
+          <p:childTnLst>
+            <p:seq concurrent="1" nextAc="seek">
+              <p:cTn id="2" dur="indefinite" nodeType="mainSeq">
+                <p:childTnLst>
+                  <p:par>
+                    <p:cTn id="3" fill="hold">
+                      <p:stCondLst>
+                        <p:cond delay="indefinite"/>
+                      </p:stCondLst>
+                      <p:childTnLst>
+                        <p:par>
+                          <p:cTn id="4" fill="hold">
+                            <p:stCondLst>
+                              <p:cond delay="0"/>
+                            </p:stCondLst>
+                            <p:childTnLst>
+                              <p:par>
+                                <p:cTn id="5" presetID="1" presetClass="entr" presetSubtype="0" fill="hold" grpId="0" nodeType="clickEffect">
+                                  <p:stCondLst>
+                                    <p:cond delay="0"/>
+                                  </p:stCondLst>
+                                  <p:childTnLst>
+                                    <p:set>
+                                      <p:cBhvr>
+                                        <p:cTn id="6" dur="1" fill="hold">
+                                          <p:stCondLst>
+                                            <p:cond delay="0"/>
+                                          </p:stCondLst>
+                                        </p:cTn>
+                                        <p:tgtEl>
+                                          <p:spTgt spid="3">
+                                            <p:txEl>
+                                              <p:pRg st="0" end="0"/>
+                                            </p:txEl>
+                                          </p:spTgt>
+                                        </p:tgtEl>
+                                        <p:attrNameLst>
+                                          <p:attrName>style.visibility</p:attrName>
+                                        </p:attrNameLst>
+                                      </p:cBhvr>
+                                      <p:to>
+                                        <p:strVal val="visible"/>
+                                      </p:to>
+                                    </p:set>
+                                  </p:childTnLst>
+                                </p:cTn>
+                              </p:par>
+                            </p:childTnLst>
+                          </p:cTn>
+                        </p:par>
+                      </p:childTnLst>
+                    </p:cTn>
+                  </p:par>
+                  <p:par>
+                    <p:cTn id="7" fill="hold">
+                      <p:stCondLst>
+                        <p:cond delay="indefinite"/>
+                      </p:stCondLst>
+                      <p:childTnLst>
+                        <p:par>
+                          <p:cTn id="8" fill="hold">
+                            <p:stCondLst>
+                              <p:cond delay="0"/>
+                            </p:stCondLst>
+                            <p:childTnLst>
+                              <p:par>
+                                <p:cTn id="9" presetID="1" presetClass="entr" presetSubtype="0" fill="hold" grpId="0" nodeType="clickEffect">
+                                  <p:stCondLst>
+                                    <p:cond delay="0"/>
+                                  </p:stCondLst>
+                                  <p:childTnLst>
+                                    <p:set>
+                                      <p:cBhvr>
+                                        <p:cTn id="10" dur="1" fill="hold">
+                                          <p:stCondLst>
+                                            <p:cond delay="0"/>
+                                          </p:stCondLst>
+                                        </p:cTn>
+                                        <p:tgtEl>
+                                          <p:spTgt spid="3">
+                                            <p:txEl>
+                                              <p:pRg st="1" end="1"/>
+                                            </p:txEl>
+                                          </p:spTgt>
+                                        </p:tgtEl>
+                                        <p:attrNameLst>
+                                          <p:attrName>style.visibility</p:attrName>
+                                        </p:attrNameLst>
+                                      </p:cBhvr>
+                                      <p:to>
+                                        <p:strVal val="visible"/>
+                                      </p:to>
+                                    </p:set>
+                                  </p:childTnLst>
+                                </p:cTn>
+                              </p:par>
+                            </p:childTnLst>
+                          </p:cTn>
+                        </p:par>
+                      </p:childTnLst>
+                    </p:cTn>
+                  </p:par>
+                  <p:par>
+                    <p:cTn id="11" fill="hold">
+                      <p:stCondLst>
+                        <p:cond delay="indefinite"/>
+                      </p:stCondLst>
+                      <p:childTnLst>
+                        <p:par>
+                          <p:cTn id="12" fill="hold">
+                            <p:stCondLst>
+                              <p:cond delay="0"/>
+                            </p:stCondLst>
+                            <p:childTnLst>
+                              <p:par>
+                                <p:cTn id="13" presetID="1" presetClass="entr" presetSubtype="0" fill="hold" grpId="0" nodeType="clickEffect">
+                                  <p:stCondLst>
+                                    <p:cond delay="0"/>
+                                  </p:stCondLst>
+                                  <p:childTnLst>
+                                    <p:set>
+                                      <p:cBhvr>
+                                        <p:cTn id="14" dur="1" fill="hold">
+                                          <p:stCondLst>
+                                            <p:cond delay="0"/>
+                                          </p:stCondLst>
+                                        </p:cTn>
+                                        <p:tgtEl>
+                                          <p:spTgt spid="3">
+                                            <p:txEl>
+                                              <p:pRg st="2" end="2"/>
+                                            </p:txEl>
+                                          </p:spTgt>
+                                        </p:tgtEl>
+                                        <p:attrNameLst>
+                                          <p:attrName>style.visibility</p:attrName>
+                                        </p:attrNameLst>
+                                      </p:cBhvr>
+                                      <p:to>
+                                        <p:strVal val="visible"/>
+                                      </p:to>
+                                    </p:set>
+                                  </p:childTnLst>
+                                </p:cTn>
+                              </p:par>
+                            </p:childTnLst>
+                          </p:cTn>
+                        </p:par>
+                      </p:childTnLst>
+                    </p:cTn>
+                  </p:par>
+                </p:childTnLst>
+              </p:cTn>
+              <p:prevCondLst>
+                <p:cond evt="onPrev" delay="0">
+                  <p:tgtEl>
+                    <p:sldTgt/>
+                  </p:tgtEl>
+                </p:cond>
+              </p:prevCondLst>
+              <p:nextCondLst>
+                <p:cond evt="onNext" delay="0">
+                  <p:tgtEl>
+                    <p:sldTgt/>
+                  </p:tgtEl>
+                </p:cond>
+              </p:nextCondLst>
+            </p:seq>
+          </p:childTnLst>
+        </p:cTn>
+      </p:par>
+    </p:tnLst>
+    <p:bldLst>
+      <p:bldP spid="3" grpId="0" uiExpand="1" build="p"/>
+    </p:bldLst>
+  </p:timing>
 </p:sld>
 </file>
 
@@ -5242,7 +5539,7 @@
       </p:sp>
       <p:pic>
         <p:nvPicPr>
-          <p:cNvPr descr="Organiser-Education---Productivity_files/figure-pptx/productivity-20-1.svg" id="0" name="Picture 1"/>
+          <p:cNvPr descr="Organiser-Education---Productivity_files/figure-pptx/unnamed-chunk-2-1.svg" id="0" name="Picture 1"/>
           <p:cNvPicPr>
             <a:picLocks noGrp="1" noChangeAspect="1"/>
           </p:cNvPicPr>
@@ -5319,7 +5616,7 @@
       </p:sp>
       <p:pic>
         <p:nvPicPr>
-          <p:cNvPr descr="Organiser-Education---Productivity_files/figure-pptx/unnamed-chunk-2-1.svg" id="0" name="Picture 1"/>
+          <p:cNvPr descr="Organiser-Education---Productivity_files/figure-pptx/unnamed-chunk-3-1.svg" id="0" name="Picture 1"/>
           <p:cNvPicPr>
             <a:picLocks noGrp="1" noChangeAspect="1"/>
           </p:cNvPicPr>
